--- a/ppt 16-9/1162.天城美景.pptx
+++ b/ppt 16-9/1162.天城美景.pptx
@@ -5,7 +5,7 @@
     <p:sldMasterId id="2147483648" r:id="rId1"/>
   </p:sldMasterIdLst>
   <p:sldIdLst>
-    <p:sldId id="662" r:id="rId2"/>
+    <p:sldId id="664" r:id="rId2"/>
   </p:sldIdLst>
   <p:sldSz cx="12192000" cy="6858000"/>
   <p:notesSz cx="6858000" cy="9144000"/>
@@ -129,7 +129,7 @@
           <p:cNvPr id="2" name="标题 1">
             <a:extLst>
               <a:ext uri="{FF2B5EF4-FFF2-40B4-BE49-F238E27FC236}">
-                <a16:creationId xmlns:a16="http://schemas.microsoft.com/office/drawing/2014/main" id="{A1EFB6B1-0DE6-E800-3E8D-7F72552D9376}"/>
+                <a16:creationId xmlns:a16="http://schemas.microsoft.com/office/drawing/2014/main" id="{33FB4178-FC80-05AA-3598-4AFAC56C1AE7}"/>
               </a:ext>
             </a:extLst>
           </p:cNvPr>
@@ -166,7 +166,7 @@
           <p:cNvPr id="3" name="副标题 2">
             <a:extLst>
               <a:ext uri="{FF2B5EF4-FFF2-40B4-BE49-F238E27FC236}">
-                <a16:creationId xmlns:a16="http://schemas.microsoft.com/office/drawing/2014/main" id="{A8E0B6FB-C507-41CD-3455-6678EE2F6E55}"/>
+                <a16:creationId xmlns:a16="http://schemas.microsoft.com/office/drawing/2014/main" id="{4BC78E59-5D39-4E2A-7E8C-3F037D6A5017}"/>
               </a:ext>
             </a:extLst>
           </p:cNvPr>
@@ -236,7 +236,7 @@
           <p:cNvPr id="4" name="日期占位符 3">
             <a:extLst>
               <a:ext uri="{FF2B5EF4-FFF2-40B4-BE49-F238E27FC236}">
-                <a16:creationId xmlns:a16="http://schemas.microsoft.com/office/drawing/2014/main" id="{DD4A6271-353C-4C71-D474-B596092E2B23}"/>
+                <a16:creationId xmlns:a16="http://schemas.microsoft.com/office/drawing/2014/main" id="{18B22730-0E94-4D3C-5697-265749BD343E}"/>
               </a:ext>
             </a:extLst>
           </p:cNvPr>
@@ -252,7 +252,7 @@
           <a:bodyPr/>
           <a:lstStyle/>
           <a:p>
-            <a:fld id="{37021E71-AF76-4582-9788-FAAAFB0571C1}" type="datetimeFigureOut">
+            <a:fld id="{ED1FE6CA-6B70-492E-BAE2-874947366801}" type="datetimeFigureOut">
               <a:rPr lang="zh-CN" altLang="en-US" smtClean="0"/>
               <a:t>2024/3/10</a:t>
             </a:fld>
@@ -265,7 +265,7 @@
           <p:cNvPr id="5" name="页脚占位符 4">
             <a:extLst>
               <a:ext uri="{FF2B5EF4-FFF2-40B4-BE49-F238E27FC236}">
-                <a16:creationId xmlns:a16="http://schemas.microsoft.com/office/drawing/2014/main" id="{FE8F475D-0E50-0B4A-FA45-3108DDBC1DF2}"/>
+                <a16:creationId xmlns:a16="http://schemas.microsoft.com/office/drawing/2014/main" id="{9A40D84C-F6EC-A5E5-901A-BF186716AA08}"/>
               </a:ext>
             </a:extLst>
           </p:cNvPr>
@@ -290,7 +290,7 @@
           <p:cNvPr id="6" name="灯片编号占位符 5">
             <a:extLst>
               <a:ext uri="{FF2B5EF4-FFF2-40B4-BE49-F238E27FC236}">
-                <a16:creationId xmlns:a16="http://schemas.microsoft.com/office/drawing/2014/main" id="{57E7093D-6A8B-1869-0573-6744A55C5DD0}"/>
+                <a16:creationId xmlns:a16="http://schemas.microsoft.com/office/drawing/2014/main" id="{76CD9C15-CE8E-37AB-81AE-D406D37F179B}"/>
               </a:ext>
             </a:extLst>
           </p:cNvPr>
@@ -306,7 +306,7 @@
           <a:bodyPr/>
           <a:lstStyle/>
           <a:p>
-            <a:fld id="{BB894711-67B6-432A-A047-1EAA9CBEC139}" type="slidenum">
+            <a:fld id="{EBEFC2D5-A3BF-4010-8AD4-051F6ABA9FC4}" type="slidenum">
               <a:rPr lang="zh-CN" altLang="en-US" smtClean="0"/>
               <a:t>‹#›</a:t>
             </a:fld>
@@ -317,7 +317,7 @@
     </p:spTree>
     <p:extLst>
       <p:ext uri="{BB962C8B-B14F-4D97-AF65-F5344CB8AC3E}">
-        <p14:creationId xmlns:p14="http://schemas.microsoft.com/office/powerpoint/2010/main" val="1456242875"/>
+        <p14:creationId xmlns:p14="http://schemas.microsoft.com/office/powerpoint/2010/main" val="532439317"/>
       </p:ext>
     </p:extLst>
   </p:cSld>
@@ -349,7 +349,7 @@
           <p:cNvPr id="2" name="标题 1">
             <a:extLst>
               <a:ext uri="{FF2B5EF4-FFF2-40B4-BE49-F238E27FC236}">
-                <a16:creationId xmlns:a16="http://schemas.microsoft.com/office/drawing/2014/main" id="{5EB0D33D-69C4-E669-B526-A91F7E530676}"/>
+                <a16:creationId xmlns:a16="http://schemas.microsoft.com/office/drawing/2014/main" id="{DB8BA4C5-A193-3500-6C67-6656D1A04E37}"/>
               </a:ext>
             </a:extLst>
           </p:cNvPr>
@@ -377,7 +377,7 @@
           <p:cNvPr id="3" name="竖排文字占位符 2">
             <a:extLst>
               <a:ext uri="{FF2B5EF4-FFF2-40B4-BE49-F238E27FC236}">
-                <a16:creationId xmlns:a16="http://schemas.microsoft.com/office/drawing/2014/main" id="{B16C0EFC-85FA-EB3D-A561-498808FF318A}"/>
+                <a16:creationId xmlns:a16="http://schemas.microsoft.com/office/drawing/2014/main" id="{4C49BC86-5DB4-DAFA-D2D4-B6538DBAF23D}"/>
               </a:ext>
             </a:extLst>
           </p:cNvPr>
@@ -434,7 +434,7 @@
           <p:cNvPr id="4" name="日期占位符 3">
             <a:extLst>
               <a:ext uri="{FF2B5EF4-FFF2-40B4-BE49-F238E27FC236}">
-                <a16:creationId xmlns:a16="http://schemas.microsoft.com/office/drawing/2014/main" id="{AD6A7B11-035A-007C-C454-BAD9C848862C}"/>
+                <a16:creationId xmlns:a16="http://schemas.microsoft.com/office/drawing/2014/main" id="{AA99125F-AC8D-DC09-9360-498AA7BB18DE}"/>
               </a:ext>
             </a:extLst>
           </p:cNvPr>
@@ -450,7 +450,7 @@
           <a:bodyPr/>
           <a:lstStyle/>
           <a:p>
-            <a:fld id="{37021E71-AF76-4582-9788-FAAAFB0571C1}" type="datetimeFigureOut">
+            <a:fld id="{ED1FE6CA-6B70-492E-BAE2-874947366801}" type="datetimeFigureOut">
               <a:rPr lang="zh-CN" altLang="en-US" smtClean="0"/>
               <a:t>2024/3/10</a:t>
             </a:fld>
@@ -463,7 +463,7 @@
           <p:cNvPr id="5" name="页脚占位符 4">
             <a:extLst>
               <a:ext uri="{FF2B5EF4-FFF2-40B4-BE49-F238E27FC236}">
-                <a16:creationId xmlns:a16="http://schemas.microsoft.com/office/drawing/2014/main" id="{809E8ECC-398A-F1BD-71FC-E77DD341F261}"/>
+                <a16:creationId xmlns:a16="http://schemas.microsoft.com/office/drawing/2014/main" id="{9F7BE84A-77CF-2780-671B-3B91563F82FC}"/>
               </a:ext>
             </a:extLst>
           </p:cNvPr>
@@ -488,7 +488,7 @@
           <p:cNvPr id="6" name="灯片编号占位符 5">
             <a:extLst>
               <a:ext uri="{FF2B5EF4-FFF2-40B4-BE49-F238E27FC236}">
-                <a16:creationId xmlns:a16="http://schemas.microsoft.com/office/drawing/2014/main" id="{B11CA0DC-B357-AF77-4CEA-6DBFA337F4CF}"/>
+                <a16:creationId xmlns:a16="http://schemas.microsoft.com/office/drawing/2014/main" id="{085C44AD-C6C4-E88B-C6EA-1085510E5F8B}"/>
               </a:ext>
             </a:extLst>
           </p:cNvPr>
@@ -504,7 +504,7 @@
           <a:bodyPr/>
           <a:lstStyle/>
           <a:p>
-            <a:fld id="{BB894711-67B6-432A-A047-1EAA9CBEC139}" type="slidenum">
+            <a:fld id="{EBEFC2D5-A3BF-4010-8AD4-051F6ABA9FC4}" type="slidenum">
               <a:rPr lang="zh-CN" altLang="en-US" smtClean="0"/>
               <a:t>‹#›</a:t>
             </a:fld>
@@ -515,7 +515,7 @@
     </p:spTree>
     <p:extLst>
       <p:ext uri="{BB962C8B-B14F-4D97-AF65-F5344CB8AC3E}">
-        <p14:creationId xmlns:p14="http://schemas.microsoft.com/office/powerpoint/2010/main" val="1642287453"/>
+        <p14:creationId xmlns:p14="http://schemas.microsoft.com/office/powerpoint/2010/main" val="2985942348"/>
       </p:ext>
     </p:extLst>
   </p:cSld>
@@ -547,7 +547,7 @@
           <p:cNvPr id="2" name="竖排标题 1">
             <a:extLst>
               <a:ext uri="{FF2B5EF4-FFF2-40B4-BE49-F238E27FC236}">
-                <a16:creationId xmlns:a16="http://schemas.microsoft.com/office/drawing/2014/main" id="{94B7C68C-D1CE-96EC-8326-0815FA5506A8}"/>
+                <a16:creationId xmlns:a16="http://schemas.microsoft.com/office/drawing/2014/main" id="{B535190F-A72D-142A-7A27-30F78B1A4F66}"/>
               </a:ext>
             </a:extLst>
           </p:cNvPr>
@@ -580,7 +580,7 @@
           <p:cNvPr id="3" name="竖排文字占位符 2">
             <a:extLst>
               <a:ext uri="{FF2B5EF4-FFF2-40B4-BE49-F238E27FC236}">
-                <a16:creationId xmlns:a16="http://schemas.microsoft.com/office/drawing/2014/main" id="{DCCC222D-51E8-72B5-524E-A2BF57CFBFD2}"/>
+                <a16:creationId xmlns:a16="http://schemas.microsoft.com/office/drawing/2014/main" id="{F83C8BB1-59A4-FD67-6B47-996D352857B2}"/>
               </a:ext>
             </a:extLst>
           </p:cNvPr>
@@ -642,7 +642,7 @@
           <p:cNvPr id="4" name="日期占位符 3">
             <a:extLst>
               <a:ext uri="{FF2B5EF4-FFF2-40B4-BE49-F238E27FC236}">
-                <a16:creationId xmlns:a16="http://schemas.microsoft.com/office/drawing/2014/main" id="{91F25705-52A9-DD3B-CC17-DC0B76FAE847}"/>
+                <a16:creationId xmlns:a16="http://schemas.microsoft.com/office/drawing/2014/main" id="{B6927FF3-8058-1EBE-44EF-B9B1C2640902}"/>
               </a:ext>
             </a:extLst>
           </p:cNvPr>
@@ -658,7 +658,7 @@
           <a:bodyPr/>
           <a:lstStyle/>
           <a:p>
-            <a:fld id="{37021E71-AF76-4582-9788-FAAAFB0571C1}" type="datetimeFigureOut">
+            <a:fld id="{ED1FE6CA-6B70-492E-BAE2-874947366801}" type="datetimeFigureOut">
               <a:rPr lang="zh-CN" altLang="en-US" smtClean="0"/>
               <a:t>2024/3/10</a:t>
             </a:fld>
@@ -671,7 +671,7 @@
           <p:cNvPr id="5" name="页脚占位符 4">
             <a:extLst>
               <a:ext uri="{FF2B5EF4-FFF2-40B4-BE49-F238E27FC236}">
-                <a16:creationId xmlns:a16="http://schemas.microsoft.com/office/drawing/2014/main" id="{29F693D8-363A-D936-6758-70C09058EFB4}"/>
+                <a16:creationId xmlns:a16="http://schemas.microsoft.com/office/drawing/2014/main" id="{893FCAA9-4627-8CB5-81EB-E9BDD8FFEE9D}"/>
               </a:ext>
             </a:extLst>
           </p:cNvPr>
@@ -696,7 +696,7 @@
           <p:cNvPr id="6" name="灯片编号占位符 5">
             <a:extLst>
               <a:ext uri="{FF2B5EF4-FFF2-40B4-BE49-F238E27FC236}">
-                <a16:creationId xmlns:a16="http://schemas.microsoft.com/office/drawing/2014/main" id="{936957F8-3705-244D-174F-140719A1125D}"/>
+                <a16:creationId xmlns:a16="http://schemas.microsoft.com/office/drawing/2014/main" id="{ED9B9FE5-ADFE-E94E-AB82-455D8D254274}"/>
               </a:ext>
             </a:extLst>
           </p:cNvPr>
@@ -712,7 +712,7 @@
           <a:bodyPr/>
           <a:lstStyle/>
           <a:p>
-            <a:fld id="{BB894711-67B6-432A-A047-1EAA9CBEC139}" type="slidenum">
+            <a:fld id="{EBEFC2D5-A3BF-4010-8AD4-051F6ABA9FC4}" type="slidenum">
               <a:rPr lang="zh-CN" altLang="en-US" smtClean="0"/>
               <a:t>‹#›</a:t>
             </a:fld>
@@ -723,7 +723,7 @@
     </p:spTree>
     <p:extLst>
       <p:ext uri="{BB962C8B-B14F-4D97-AF65-F5344CB8AC3E}">
-        <p14:creationId xmlns:p14="http://schemas.microsoft.com/office/powerpoint/2010/main" val="4113473958"/>
+        <p14:creationId xmlns:p14="http://schemas.microsoft.com/office/powerpoint/2010/main" val="1384750270"/>
       </p:ext>
     </p:extLst>
   </p:cSld>
@@ -755,7 +755,7 @@
           <p:cNvPr id="2" name="标题 1">
             <a:extLst>
               <a:ext uri="{FF2B5EF4-FFF2-40B4-BE49-F238E27FC236}">
-                <a16:creationId xmlns:a16="http://schemas.microsoft.com/office/drawing/2014/main" id="{7214839E-7F54-DF75-F19A-E9AFE6DA9DD1}"/>
+                <a16:creationId xmlns:a16="http://schemas.microsoft.com/office/drawing/2014/main" id="{1C9DAB37-82CB-855C-2817-386700036714}"/>
               </a:ext>
             </a:extLst>
           </p:cNvPr>
@@ -783,7 +783,7 @@
           <p:cNvPr id="3" name="内容占位符 2">
             <a:extLst>
               <a:ext uri="{FF2B5EF4-FFF2-40B4-BE49-F238E27FC236}">
-                <a16:creationId xmlns:a16="http://schemas.microsoft.com/office/drawing/2014/main" id="{F48E1EA5-8831-D3BB-CDB2-AAE45773C4B2}"/>
+                <a16:creationId xmlns:a16="http://schemas.microsoft.com/office/drawing/2014/main" id="{B0C43821-E8D6-05BA-1D12-0E551AFAD410}"/>
               </a:ext>
             </a:extLst>
           </p:cNvPr>
@@ -840,7 +840,7 @@
           <p:cNvPr id="4" name="日期占位符 3">
             <a:extLst>
               <a:ext uri="{FF2B5EF4-FFF2-40B4-BE49-F238E27FC236}">
-                <a16:creationId xmlns:a16="http://schemas.microsoft.com/office/drawing/2014/main" id="{00124B6C-5BD1-032B-2C43-DED89309D3FA}"/>
+                <a16:creationId xmlns:a16="http://schemas.microsoft.com/office/drawing/2014/main" id="{72DCB794-EBDC-1A45-60A6-CFF49F827FCD}"/>
               </a:ext>
             </a:extLst>
           </p:cNvPr>
@@ -856,7 +856,7 @@
           <a:bodyPr/>
           <a:lstStyle/>
           <a:p>
-            <a:fld id="{37021E71-AF76-4582-9788-FAAAFB0571C1}" type="datetimeFigureOut">
+            <a:fld id="{ED1FE6CA-6B70-492E-BAE2-874947366801}" type="datetimeFigureOut">
               <a:rPr lang="zh-CN" altLang="en-US" smtClean="0"/>
               <a:t>2024/3/10</a:t>
             </a:fld>
@@ -869,7 +869,7 @@
           <p:cNvPr id="5" name="页脚占位符 4">
             <a:extLst>
               <a:ext uri="{FF2B5EF4-FFF2-40B4-BE49-F238E27FC236}">
-                <a16:creationId xmlns:a16="http://schemas.microsoft.com/office/drawing/2014/main" id="{4286E44A-06B7-ECFC-87C0-5A5B03BC9249}"/>
+                <a16:creationId xmlns:a16="http://schemas.microsoft.com/office/drawing/2014/main" id="{090988E0-FC2A-F812-76C4-6B693C1933D2}"/>
               </a:ext>
             </a:extLst>
           </p:cNvPr>
@@ -894,7 +894,7 @@
           <p:cNvPr id="6" name="灯片编号占位符 5">
             <a:extLst>
               <a:ext uri="{FF2B5EF4-FFF2-40B4-BE49-F238E27FC236}">
-                <a16:creationId xmlns:a16="http://schemas.microsoft.com/office/drawing/2014/main" id="{8447C2F6-0EAE-0D3E-C56F-07EECEFE0C8F}"/>
+                <a16:creationId xmlns:a16="http://schemas.microsoft.com/office/drawing/2014/main" id="{5E126AAC-DD1D-EB73-C952-0601D35AB21D}"/>
               </a:ext>
             </a:extLst>
           </p:cNvPr>
@@ -910,7 +910,7 @@
           <a:bodyPr/>
           <a:lstStyle/>
           <a:p>
-            <a:fld id="{BB894711-67B6-432A-A047-1EAA9CBEC139}" type="slidenum">
+            <a:fld id="{EBEFC2D5-A3BF-4010-8AD4-051F6ABA9FC4}" type="slidenum">
               <a:rPr lang="zh-CN" altLang="en-US" smtClean="0"/>
               <a:t>‹#›</a:t>
             </a:fld>
@@ -921,7 +921,7 @@
     </p:spTree>
     <p:extLst>
       <p:ext uri="{BB962C8B-B14F-4D97-AF65-F5344CB8AC3E}">
-        <p14:creationId xmlns:p14="http://schemas.microsoft.com/office/powerpoint/2010/main" val="1579431244"/>
+        <p14:creationId xmlns:p14="http://schemas.microsoft.com/office/powerpoint/2010/main" val="3756250278"/>
       </p:ext>
     </p:extLst>
   </p:cSld>
@@ -953,7 +953,7 @@
           <p:cNvPr id="2" name="标题 1">
             <a:extLst>
               <a:ext uri="{FF2B5EF4-FFF2-40B4-BE49-F238E27FC236}">
-                <a16:creationId xmlns:a16="http://schemas.microsoft.com/office/drawing/2014/main" id="{B205EDF2-C6D5-E0BC-B70A-D9DF72AFF730}"/>
+                <a16:creationId xmlns:a16="http://schemas.microsoft.com/office/drawing/2014/main" id="{EF5C2834-AC09-60AF-CB34-ADDE7CE4BAC8}"/>
               </a:ext>
             </a:extLst>
           </p:cNvPr>
@@ -990,7 +990,7 @@
           <p:cNvPr id="3" name="文本占位符 2">
             <a:extLst>
               <a:ext uri="{FF2B5EF4-FFF2-40B4-BE49-F238E27FC236}">
-                <a16:creationId xmlns:a16="http://schemas.microsoft.com/office/drawing/2014/main" id="{B4B33C55-CF2B-BE7D-1104-B8A47A037D3E}"/>
+                <a16:creationId xmlns:a16="http://schemas.microsoft.com/office/drawing/2014/main" id="{4DDAD233-22F6-3C24-9BCB-B06E013105A8}"/>
               </a:ext>
             </a:extLst>
           </p:cNvPr>
@@ -1115,7 +1115,7 @@
           <p:cNvPr id="4" name="日期占位符 3">
             <a:extLst>
               <a:ext uri="{FF2B5EF4-FFF2-40B4-BE49-F238E27FC236}">
-                <a16:creationId xmlns:a16="http://schemas.microsoft.com/office/drawing/2014/main" id="{F58979A9-438E-2FB3-CBC8-1E0FE90658C2}"/>
+                <a16:creationId xmlns:a16="http://schemas.microsoft.com/office/drawing/2014/main" id="{6BEACB59-1ED9-44FC-E1E7-C3DBAEB2F73F}"/>
               </a:ext>
             </a:extLst>
           </p:cNvPr>
@@ -1131,7 +1131,7 @@
           <a:bodyPr/>
           <a:lstStyle/>
           <a:p>
-            <a:fld id="{37021E71-AF76-4582-9788-FAAAFB0571C1}" type="datetimeFigureOut">
+            <a:fld id="{ED1FE6CA-6B70-492E-BAE2-874947366801}" type="datetimeFigureOut">
               <a:rPr lang="zh-CN" altLang="en-US" smtClean="0"/>
               <a:t>2024/3/10</a:t>
             </a:fld>
@@ -1144,7 +1144,7 @@
           <p:cNvPr id="5" name="页脚占位符 4">
             <a:extLst>
               <a:ext uri="{FF2B5EF4-FFF2-40B4-BE49-F238E27FC236}">
-                <a16:creationId xmlns:a16="http://schemas.microsoft.com/office/drawing/2014/main" id="{5AAA1EE0-F1BB-6E1A-E35A-4C4C2509A1CF}"/>
+                <a16:creationId xmlns:a16="http://schemas.microsoft.com/office/drawing/2014/main" id="{5E14E064-2E2E-DEAE-C36A-48B780BD852C}"/>
               </a:ext>
             </a:extLst>
           </p:cNvPr>
@@ -1169,7 +1169,7 @@
           <p:cNvPr id="6" name="灯片编号占位符 5">
             <a:extLst>
               <a:ext uri="{FF2B5EF4-FFF2-40B4-BE49-F238E27FC236}">
-                <a16:creationId xmlns:a16="http://schemas.microsoft.com/office/drawing/2014/main" id="{38BD7701-936D-30C5-8BE0-DD2B50E44303}"/>
+                <a16:creationId xmlns:a16="http://schemas.microsoft.com/office/drawing/2014/main" id="{A78C4548-0C7A-A77E-40D4-907CC63AE501}"/>
               </a:ext>
             </a:extLst>
           </p:cNvPr>
@@ -1185,7 +1185,7 @@
           <a:bodyPr/>
           <a:lstStyle/>
           <a:p>
-            <a:fld id="{BB894711-67B6-432A-A047-1EAA9CBEC139}" type="slidenum">
+            <a:fld id="{EBEFC2D5-A3BF-4010-8AD4-051F6ABA9FC4}" type="slidenum">
               <a:rPr lang="zh-CN" altLang="en-US" smtClean="0"/>
               <a:t>‹#›</a:t>
             </a:fld>
@@ -1196,7 +1196,7 @@
     </p:spTree>
     <p:extLst>
       <p:ext uri="{BB962C8B-B14F-4D97-AF65-F5344CB8AC3E}">
-        <p14:creationId xmlns:p14="http://schemas.microsoft.com/office/powerpoint/2010/main" val="762797781"/>
+        <p14:creationId xmlns:p14="http://schemas.microsoft.com/office/powerpoint/2010/main" val="2473361512"/>
       </p:ext>
     </p:extLst>
   </p:cSld>
@@ -1228,7 +1228,7 @@
           <p:cNvPr id="2" name="标题 1">
             <a:extLst>
               <a:ext uri="{FF2B5EF4-FFF2-40B4-BE49-F238E27FC236}">
-                <a16:creationId xmlns:a16="http://schemas.microsoft.com/office/drawing/2014/main" id="{99B5BC0E-F5BF-E8FF-3D41-289903A22D85}"/>
+                <a16:creationId xmlns:a16="http://schemas.microsoft.com/office/drawing/2014/main" id="{AB659B89-190D-FCAE-468E-7B90377BE8ED}"/>
               </a:ext>
             </a:extLst>
           </p:cNvPr>
@@ -1256,7 +1256,7 @@
           <p:cNvPr id="3" name="内容占位符 2">
             <a:extLst>
               <a:ext uri="{FF2B5EF4-FFF2-40B4-BE49-F238E27FC236}">
-                <a16:creationId xmlns:a16="http://schemas.microsoft.com/office/drawing/2014/main" id="{A8F3ADD6-4166-D075-DA87-6793B18C11C6}"/>
+                <a16:creationId xmlns:a16="http://schemas.microsoft.com/office/drawing/2014/main" id="{4DB62560-C6DA-976A-68DA-B844A6168A62}"/>
               </a:ext>
             </a:extLst>
           </p:cNvPr>
@@ -1318,7 +1318,7 @@
           <p:cNvPr id="4" name="内容占位符 3">
             <a:extLst>
               <a:ext uri="{FF2B5EF4-FFF2-40B4-BE49-F238E27FC236}">
-                <a16:creationId xmlns:a16="http://schemas.microsoft.com/office/drawing/2014/main" id="{6490C55E-1ED2-2999-FD1B-AAC0F7F6ACD7}"/>
+                <a16:creationId xmlns:a16="http://schemas.microsoft.com/office/drawing/2014/main" id="{AFD9A0B1-3532-B3A7-421D-00B190E183B4}"/>
               </a:ext>
             </a:extLst>
           </p:cNvPr>
@@ -1380,7 +1380,7 @@
           <p:cNvPr id="5" name="日期占位符 4">
             <a:extLst>
               <a:ext uri="{FF2B5EF4-FFF2-40B4-BE49-F238E27FC236}">
-                <a16:creationId xmlns:a16="http://schemas.microsoft.com/office/drawing/2014/main" id="{32A2BC19-D7DC-F985-5B6B-5FFC7A8763E5}"/>
+                <a16:creationId xmlns:a16="http://schemas.microsoft.com/office/drawing/2014/main" id="{EDF71034-5052-4F59-C960-2B2845C31EA2}"/>
               </a:ext>
             </a:extLst>
           </p:cNvPr>
@@ -1396,7 +1396,7 @@
           <a:bodyPr/>
           <a:lstStyle/>
           <a:p>
-            <a:fld id="{37021E71-AF76-4582-9788-FAAAFB0571C1}" type="datetimeFigureOut">
+            <a:fld id="{ED1FE6CA-6B70-492E-BAE2-874947366801}" type="datetimeFigureOut">
               <a:rPr lang="zh-CN" altLang="en-US" smtClean="0"/>
               <a:t>2024/3/10</a:t>
             </a:fld>
@@ -1409,7 +1409,7 @@
           <p:cNvPr id="6" name="页脚占位符 5">
             <a:extLst>
               <a:ext uri="{FF2B5EF4-FFF2-40B4-BE49-F238E27FC236}">
-                <a16:creationId xmlns:a16="http://schemas.microsoft.com/office/drawing/2014/main" id="{EF6BDF7F-5319-1E2F-CD79-43DEFF84FFB2}"/>
+                <a16:creationId xmlns:a16="http://schemas.microsoft.com/office/drawing/2014/main" id="{7AE9F3FF-5BC7-50F0-5626-827EF6841C82}"/>
               </a:ext>
             </a:extLst>
           </p:cNvPr>
@@ -1434,7 +1434,7 @@
           <p:cNvPr id="7" name="灯片编号占位符 6">
             <a:extLst>
               <a:ext uri="{FF2B5EF4-FFF2-40B4-BE49-F238E27FC236}">
-                <a16:creationId xmlns:a16="http://schemas.microsoft.com/office/drawing/2014/main" id="{EC279964-4888-B47C-F332-A14FFFEA04E7}"/>
+                <a16:creationId xmlns:a16="http://schemas.microsoft.com/office/drawing/2014/main" id="{FBA8EDEA-6FEE-D72B-16EB-4593E21FFCCB}"/>
               </a:ext>
             </a:extLst>
           </p:cNvPr>
@@ -1450,7 +1450,7 @@
           <a:bodyPr/>
           <a:lstStyle/>
           <a:p>
-            <a:fld id="{BB894711-67B6-432A-A047-1EAA9CBEC139}" type="slidenum">
+            <a:fld id="{EBEFC2D5-A3BF-4010-8AD4-051F6ABA9FC4}" type="slidenum">
               <a:rPr lang="zh-CN" altLang="en-US" smtClean="0"/>
               <a:t>‹#›</a:t>
             </a:fld>
@@ -1461,7 +1461,7 @@
     </p:spTree>
     <p:extLst>
       <p:ext uri="{BB962C8B-B14F-4D97-AF65-F5344CB8AC3E}">
-        <p14:creationId xmlns:p14="http://schemas.microsoft.com/office/powerpoint/2010/main" val="2763605671"/>
+        <p14:creationId xmlns:p14="http://schemas.microsoft.com/office/powerpoint/2010/main" val="1153499221"/>
       </p:ext>
     </p:extLst>
   </p:cSld>
@@ -1493,7 +1493,7 @@
           <p:cNvPr id="2" name="标题 1">
             <a:extLst>
               <a:ext uri="{FF2B5EF4-FFF2-40B4-BE49-F238E27FC236}">
-                <a16:creationId xmlns:a16="http://schemas.microsoft.com/office/drawing/2014/main" id="{2C449CE3-BE7B-B828-F33E-89BA5CCFAE3E}"/>
+                <a16:creationId xmlns:a16="http://schemas.microsoft.com/office/drawing/2014/main" id="{DF80DAF9-E690-882A-B356-9ACD00DC1D6E}"/>
               </a:ext>
             </a:extLst>
           </p:cNvPr>
@@ -1526,7 +1526,7 @@
           <p:cNvPr id="3" name="文本占位符 2">
             <a:extLst>
               <a:ext uri="{FF2B5EF4-FFF2-40B4-BE49-F238E27FC236}">
-                <a16:creationId xmlns:a16="http://schemas.microsoft.com/office/drawing/2014/main" id="{4CFCCAB2-4E11-9510-B8BF-32168A0157F9}"/>
+                <a16:creationId xmlns:a16="http://schemas.microsoft.com/office/drawing/2014/main" id="{C3BE0CFF-288D-9FC0-BE2B-B590C62CCE3A}"/>
               </a:ext>
             </a:extLst>
           </p:cNvPr>
@@ -1597,7 +1597,7 @@
           <p:cNvPr id="4" name="内容占位符 3">
             <a:extLst>
               <a:ext uri="{FF2B5EF4-FFF2-40B4-BE49-F238E27FC236}">
-                <a16:creationId xmlns:a16="http://schemas.microsoft.com/office/drawing/2014/main" id="{019EBC74-D704-8233-DF4D-AE77A5D7E7E3}"/>
+                <a16:creationId xmlns:a16="http://schemas.microsoft.com/office/drawing/2014/main" id="{6094326F-27D5-6508-1A90-94B4C7CB8C06}"/>
               </a:ext>
             </a:extLst>
           </p:cNvPr>
@@ -1659,7 +1659,7 @@
           <p:cNvPr id="5" name="文本占位符 4">
             <a:extLst>
               <a:ext uri="{FF2B5EF4-FFF2-40B4-BE49-F238E27FC236}">
-                <a16:creationId xmlns:a16="http://schemas.microsoft.com/office/drawing/2014/main" id="{0F583673-2577-A207-E3D6-ACAF0CD3427F}"/>
+                <a16:creationId xmlns:a16="http://schemas.microsoft.com/office/drawing/2014/main" id="{8FDA48E5-A421-AE39-16D8-AE922DFC6C85}"/>
               </a:ext>
             </a:extLst>
           </p:cNvPr>
@@ -1730,7 +1730,7 @@
           <p:cNvPr id="6" name="内容占位符 5">
             <a:extLst>
               <a:ext uri="{FF2B5EF4-FFF2-40B4-BE49-F238E27FC236}">
-                <a16:creationId xmlns:a16="http://schemas.microsoft.com/office/drawing/2014/main" id="{09B5903B-0B72-3123-DD71-0896960D2F5E}"/>
+                <a16:creationId xmlns:a16="http://schemas.microsoft.com/office/drawing/2014/main" id="{4AD22A0B-5520-33E2-4E29-35A4545F3EB3}"/>
               </a:ext>
             </a:extLst>
           </p:cNvPr>
@@ -1792,7 +1792,7 @@
           <p:cNvPr id="7" name="日期占位符 6">
             <a:extLst>
               <a:ext uri="{FF2B5EF4-FFF2-40B4-BE49-F238E27FC236}">
-                <a16:creationId xmlns:a16="http://schemas.microsoft.com/office/drawing/2014/main" id="{A61BC78D-F2DF-5311-5482-8D41C8769AA8}"/>
+                <a16:creationId xmlns:a16="http://schemas.microsoft.com/office/drawing/2014/main" id="{D8B7DF8F-8F33-5C76-7B23-EE932A27E21D}"/>
               </a:ext>
             </a:extLst>
           </p:cNvPr>
@@ -1808,7 +1808,7 @@
           <a:bodyPr/>
           <a:lstStyle/>
           <a:p>
-            <a:fld id="{37021E71-AF76-4582-9788-FAAAFB0571C1}" type="datetimeFigureOut">
+            <a:fld id="{ED1FE6CA-6B70-492E-BAE2-874947366801}" type="datetimeFigureOut">
               <a:rPr lang="zh-CN" altLang="en-US" smtClean="0"/>
               <a:t>2024/3/10</a:t>
             </a:fld>
@@ -1821,7 +1821,7 @@
           <p:cNvPr id="8" name="页脚占位符 7">
             <a:extLst>
               <a:ext uri="{FF2B5EF4-FFF2-40B4-BE49-F238E27FC236}">
-                <a16:creationId xmlns:a16="http://schemas.microsoft.com/office/drawing/2014/main" id="{E4EB7EA4-6498-3504-C9A2-2D6BF82A46B4}"/>
+                <a16:creationId xmlns:a16="http://schemas.microsoft.com/office/drawing/2014/main" id="{3B74F820-E577-8B8F-67D8-EB2A23B5935B}"/>
               </a:ext>
             </a:extLst>
           </p:cNvPr>
@@ -1846,7 +1846,7 @@
           <p:cNvPr id="9" name="灯片编号占位符 8">
             <a:extLst>
               <a:ext uri="{FF2B5EF4-FFF2-40B4-BE49-F238E27FC236}">
-                <a16:creationId xmlns:a16="http://schemas.microsoft.com/office/drawing/2014/main" id="{DEB83B1A-F918-C674-7CBC-BC6C1FB82409}"/>
+                <a16:creationId xmlns:a16="http://schemas.microsoft.com/office/drawing/2014/main" id="{286AD451-3345-F40F-13A5-1CB08DD3FBA7}"/>
               </a:ext>
             </a:extLst>
           </p:cNvPr>
@@ -1862,7 +1862,7 @@
           <a:bodyPr/>
           <a:lstStyle/>
           <a:p>
-            <a:fld id="{BB894711-67B6-432A-A047-1EAA9CBEC139}" type="slidenum">
+            <a:fld id="{EBEFC2D5-A3BF-4010-8AD4-051F6ABA9FC4}" type="slidenum">
               <a:rPr lang="zh-CN" altLang="en-US" smtClean="0"/>
               <a:t>‹#›</a:t>
             </a:fld>
@@ -1873,7 +1873,7 @@
     </p:spTree>
     <p:extLst>
       <p:ext uri="{BB962C8B-B14F-4D97-AF65-F5344CB8AC3E}">
-        <p14:creationId xmlns:p14="http://schemas.microsoft.com/office/powerpoint/2010/main" val="3795937075"/>
+        <p14:creationId xmlns:p14="http://schemas.microsoft.com/office/powerpoint/2010/main" val="872862676"/>
       </p:ext>
     </p:extLst>
   </p:cSld>
@@ -1905,7 +1905,7 @@
           <p:cNvPr id="2" name="标题 1">
             <a:extLst>
               <a:ext uri="{FF2B5EF4-FFF2-40B4-BE49-F238E27FC236}">
-                <a16:creationId xmlns:a16="http://schemas.microsoft.com/office/drawing/2014/main" id="{F0BF4069-07E0-535E-61CB-09C3ECF3B2DB}"/>
+                <a16:creationId xmlns:a16="http://schemas.microsoft.com/office/drawing/2014/main" id="{A2A43682-8E52-DA69-33BC-B9C9C1C00105}"/>
               </a:ext>
             </a:extLst>
           </p:cNvPr>
@@ -1933,7 +1933,7 @@
           <p:cNvPr id="3" name="日期占位符 2">
             <a:extLst>
               <a:ext uri="{FF2B5EF4-FFF2-40B4-BE49-F238E27FC236}">
-                <a16:creationId xmlns:a16="http://schemas.microsoft.com/office/drawing/2014/main" id="{15BC284E-83BD-42C1-A2A0-6C0BE4A3A082}"/>
+                <a16:creationId xmlns:a16="http://schemas.microsoft.com/office/drawing/2014/main" id="{B797A9C9-97FA-7F41-3FA4-81069857869F}"/>
               </a:ext>
             </a:extLst>
           </p:cNvPr>
@@ -1949,7 +1949,7 @@
           <a:bodyPr/>
           <a:lstStyle/>
           <a:p>
-            <a:fld id="{37021E71-AF76-4582-9788-FAAAFB0571C1}" type="datetimeFigureOut">
+            <a:fld id="{ED1FE6CA-6B70-492E-BAE2-874947366801}" type="datetimeFigureOut">
               <a:rPr lang="zh-CN" altLang="en-US" smtClean="0"/>
               <a:t>2024/3/10</a:t>
             </a:fld>
@@ -1962,7 +1962,7 @@
           <p:cNvPr id="4" name="页脚占位符 3">
             <a:extLst>
               <a:ext uri="{FF2B5EF4-FFF2-40B4-BE49-F238E27FC236}">
-                <a16:creationId xmlns:a16="http://schemas.microsoft.com/office/drawing/2014/main" id="{A49C21B0-EA7B-93B7-E2F6-D34351F0F36B}"/>
+                <a16:creationId xmlns:a16="http://schemas.microsoft.com/office/drawing/2014/main" id="{AF4773D6-A5F9-70CD-C175-A84821D4854A}"/>
               </a:ext>
             </a:extLst>
           </p:cNvPr>
@@ -1987,7 +1987,7 @@
           <p:cNvPr id="5" name="灯片编号占位符 4">
             <a:extLst>
               <a:ext uri="{FF2B5EF4-FFF2-40B4-BE49-F238E27FC236}">
-                <a16:creationId xmlns:a16="http://schemas.microsoft.com/office/drawing/2014/main" id="{AB0205C2-1890-115F-D001-28BB3908B706}"/>
+                <a16:creationId xmlns:a16="http://schemas.microsoft.com/office/drawing/2014/main" id="{59F40C05-C880-6C4D-C623-68FF486D672F}"/>
               </a:ext>
             </a:extLst>
           </p:cNvPr>
@@ -2003,7 +2003,7 @@
           <a:bodyPr/>
           <a:lstStyle/>
           <a:p>
-            <a:fld id="{BB894711-67B6-432A-A047-1EAA9CBEC139}" type="slidenum">
+            <a:fld id="{EBEFC2D5-A3BF-4010-8AD4-051F6ABA9FC4}" type="slidenum">
               <a:rPr lang="zh-CN" altLang="en-US" smtClean="0"/>
               <a:t>‹#›</a:t>
             </a:fld>
@@ -2014,7 +2014,7 @@
     </p:spTree>
     <p:extLst>
       <p:ext uri="{BB962C8B-B14F-4D97-AF65-F5344CB8AC3E}">
-        <p14:creationId xmlns:p14="http://schemas.microsoft.com/office/powerpoint/2010/main" val="2768790474"/>
+        <p14:creationId xmlns:p14="http://schemas.microsoft.com/office/powerpoint/2010/main" val="2549643894"/>
       </p:ext>
     </p:extLst>
   </p:cSld>
@@ -2046,7 +2046,7 @@
           <p:cNvPr id="2" name="日期占位符 1">
             <a:extLst>
               <a:ext uri="{FF2B5EF4-FFF2-40B4-BE49-F238E27FC236}">
-                <a16:creationId xmlns:a16="http://schemas.microsoft.com/office/drawing/2014/main" id="{FFFFCBD4-1A49-0066-9D44-3BABE5B5B7EC}"/>
+                <a16:creationId xmlns:a16="http://schemas.microsoft.com/office/drawing/2014/main" id="{B66CB7A5-8582-B3AF-A4EC-894A6098511B}"/>
               </a:ext>
             </a:extLst>
           </p:cNvPr>
@@ -2062,7 +2062,7 @@
           <a:bodyPr/>
           <a:lstStyle/>
           <a:p>
-            <a:fld id="{37021E71-AF76-4582-9788-FAAAFB0571C1}" type="datetimeFigureOut">
+            <a:fld id="{ED1FE6CA-6B70-492E-BAE2-874947366801}" type="datetimeFigureOut">
               <a:rPr lang="zh-CN" altLang="en-US" smtClean="0"/>
               <a:t>2024/3/10</a:t>
             </a:fld>
@@ -2075,7 +2075,7 @@
           <p:cNvPr id="3" name="页脚占位符 2">
             <a:extLst>
               <a:ext uri="{FF2B5EF4-FFF2-40B4-BE49-F238E27FC236}">
-                <a16:creationId xmlns:a16="http://schemas.microsoft.com/office/drawing/2014/main" id="{364A7B0E-9980-C58F-A6AB-02D6D84AB306}"/>
+                <a16:creationId xmlns:a16="http://schemas.microsoft.com/office/drawing/2014/main" id="{A1DF2402-52C7-37FA-1228-2CCBFD0C4B6B}"/>
               </a:ext>
             </a:extLst>
           </p:cNvPr>
@@ -2100,7 +2100,7 @@
           <p:cNvPr id="4" name="灯片编号占位符 3">
             <a:extLst>
               <a:ext uri="{FF2B5EF4-FFF2-40B4-BE49-F238E27FC236}">
-                <a16:creationId xmlns:a16="http://schemas.microsoft.com/office/drawing/2014/main" id="{AE9FD9FA-4880-4939-CE17-9EEDA572DE19}"/>
+                <a16:creationId xmlns:a16="http://schemas.microsoft.com/office/drawing/2014/main" id="{09E388BB-DAB1-A00D-1D81-F23F07688F7A}"/>
               </a:ext>
             </a:extLst>
           </p:cNvPr>
@@ -2116,7 +2116,7 @@
           <a:bodyPr/>
           <a:lstStyle/>
           <a:p>
-            <a:fld id="{BB894711-67B6-432A-A047-1EAA9CBEC139}" type="slidenum">
+            <a:fld id="{EBEFC2D5-A3BF-4010-8AD4-051F6ABA9FC4}" type="slidenum">
               <a:rPr lang="zh-CN" altLang="en-US" smtClean="0"/>
               <a:t>‹#›</a:t>
             </a:fld>
@@ -2127,7 +2127,7 @@
     </p:spTree>
     <p:extLst>
       <p:ext uri="{BB962C8B-B14F-4D97-AF65-F5344CB8AC3E}">
-        <p14:creationId xmlns:p14="http://schemas.microsoft.com/office/powerpoint/2010/main" val="822727064"/>
+        <p14:creationId xmlns:p14="http://schemas.microsoft.com/office/powerpoint/2010/main" val="175036238"/>
       </p:ext>
     </p:extLst>
   </p:cSld>
@@ -2159,7 +2159,7 @@
           <p:cNvPr id="2" name="标题 1">
             <a:extLst>
               <a:ext uri="{FF2B5EF4-FFF2-40B4-BE49-F238E27FC236}">
-                <a16:creationId xmlns:a16="http://schemas.microsoft.com/office/drawing/2014/main" id="{C9ED47F6-CA1C-EC35-B3DC-9DB7CA28BDF0}"/>
+                <a16:creationId xmlns:a16="http://schemas.microsoft.com/office/drawing/2014/main" id="{7E47547D-4095-9D88-1303-5935BC0F822E}"/>
               </a:ext>
             </a:extLst>
           </p:cNvPr>
@@ -2196,7 +2196,7 @@
           <p:cNvPr id="3" name="内容占位符 2">
             <a:extLst>
               <a:ext uri="{FF2B5EF4-FFF2-40B4-BE49-F238E27FC236}">
-                <a16:creationId xmlns:a16="http://schemas.microsoft.com/office/drawing/2014/main" id="{7D3C8DEC-DBCB-3627-837A-DEE20C8336A8}"/>
+                <a16:creationId xmlns:a16="http://schemas.microsoft.com/office/drawing/2014/main" id="{EE5D2FEB-E047-D6D8-1B81-5EE7A7833953}"/>
               </a:ext>
             </a:extLst>
           </p:cNvPr>
@@ -2286,7 +2286,7 @@
           <p:cNvPr id="4" name="文本占位符 3">
             <a:extLst>
               <a:ext uri="{FF2B5EF4-FFF2-40B4-BE49-F238E27FC236}">
-                <a16:creationId xmlns:a16="http://schemas.microsoft.com/office/drawing/2014/main" id="{0902ECEB-8CB8-B7A2-AA71-E58E2E34294C}"/>
+                <a16:creationId xmlns:a16="http://schemas.microsoft.com/office/drawing/2014/main" id="{11E4BB04-4918-7E81-63FB-5E661EF1A435}"/>
               </a:ext>
             </a:extLst>
           </p:cNvPr>
@@ -2357,7 +2357,7 @@
           <p:cNvPr id="5" name="日期占位符 4">
             <a:extLst>
               <a:ext uri="{FF2B5EF4-FFF2-40B4-BE49-F238E27FC236}">
-                <a16:creationId xmlns:a16="http://schemas.microsoft.com/office/drawing/2014/main" id="{FEA955B9-E0BE-C53B-106E-AD645E206D41}"/>
+                <a16:creationId xmlns:a16="http://schemas.microsoft.com/office/drawing/2014/main" id="{7C5B1D1D-9B53-4C89-FC28-502569FFE663}"/>
               </a:ext>
             </a:extLst>
           </p:cNvPr>
@@ -2373,7 +2373,7 @@
           <a:bodyPr/>
           <a:lstStyle/>
           <a:p>
-            <a:fld id="{37021E71-AF76-4582-9788-FAAAFB0571C1}" type="datetimeFigureOut">
+            <a:fld id="{ED1FE6CA-6B70-492E-BAE2-874947366801}" type="datetimeFigureOut">
               <a:rPr lang="zh-CN" altLang="en-US" smtClean="0"/>
               <a:t>2024/3/10</a:t>
             </a:fld>
@@ -2386,7 +2386,7 @@
           <p:cNvPr id="6" name="页脚占位符 5">
             <a:extLst>
               <a:ext uri="{FF2B5EF4-FFF2-40B4-BE49-F238E27FC236}">
-                <a16:creationId xmlns:a16="http://schemas.microsoft.com/office/drawing/2014/main" id="{A6C87035-855B-FA4C-B357-18D102BB10E7}"/>
+                <a16:creationId xmlns:a16="http://schemas.microsoft.com/office/drawing/2014/main" id="{FB0DBD74-8CDD-4B14-2B18-6F980DF01DEF}"/>
               </a:ext>
             </a:extLst>
           </p:cNvPr>
@@ -2411,7 +2411,7 @@
           <p:cNvPr id="7" name="灯片编号占位符 6">
             <a:extLst>
               <a:ext uri="{FF2B5EF4-FFF2-40B4-BE49-F238E27FC236}">
-                <a16:creationId xmlns:a16="http://schemas.microsoft.com/office/drawing/2014/main" id="{316C7A48-AC8C-1060-592B-1F364C96BEAA}"/>
+                <a16:creationId xmlns:a16="http://schemas.microsoft.com/office/drawing/2014/main" id="{80F64388-F9B7-64CA-1D7D-2BA9E9E71BAF}"/>
               </a:ext>
             </a:extLst>
           </p:cNvPr>
@@ -2427,7 +2427,7 @@
           <a:bodyPr/>
           <a:lstStyle/>
           <a:p>
-            <a:fld id="{BB894711-67B6-432A-A047-1EAA9CBEC139}" type="slidenum">
+            <a:fld id="{EBEFC2D5-A3BF-4010-8AD4-051F6ABA9FC4}" type="slidenum">
               <a:rPr lang="zh-CN" altLang="en-US" smtClean="0"/>
               <a:t>‹#›</a:t>
             </a:fld>
@@ -2438,7 +2438,7 @@
     </p:spTree>
     <p:extLst>
       <p:ext uri="{BB962C8B-B14F-4D97-AF65-F5344CB8AC3E}">
-        <p14:creationId xmlns:p14="http://schemas.microsoft.com/office/powerpoint/2010/main" val="1440400315"/>
+        <p14:creationId xmlns:p14="http://schemas.microsoft.com/office/powerpoint/2010/main" val="1755473285"/>
       </p:ext>
     </p:extLst>
   </p:cSld>
@@ -2470,7 +2470,7 @@
           <p:cNvPr id="2" name="标题 1">
             <a:extLst>
               <a:ext uri="{FF2B5EF4-FFF2-40B4-BE49-F238E27FC236}">
-                <a16:creationId xmlns:a16="http://schemas.microsoft.com/office/drawing/2014/main" id="{B671149E-ADAA-F0D5-93E8-E188D71801EE}"/>
+                <a16:creationId xmlns:a16="http://schemas.microsoft.com/office/drawing/2014/main" id="{8AC0C6E4-0729-190F-49E2-62070988E59F}"/>
               </a:ext>
             </a:extLst>
           </p:cNvPr>
@@ -2507,7 +2507,7 @@
           <p:cNvPr id="3" name="图片占位符 2">
             <a:extLst>
               <a:ext uri="{FF2B5EF4-FFF2-40B4-BE49-F238E27FC236}">
-                <a16:creationId xmlns:a16="http://schemas.microsoft.com/office/drawing/2014/main" id="{74F43E42-51AF-4468-059E-E1D6BE7D9A1A}"/>
+                <a16:creationId xmlns:a16="http://schemas.microsoft.com/office/drawing/2014/main" id="{7E4DE23D-75D9-A4D6-4081-BDEC2E797FBD}"/>
               </a:ext>
             </a:extLst>
           </p:cNvPr>
@@ -2574,7 +2574,7 @@
           <p:cNvPr id="4" name="文本占位符 3">
             <a:extLst>
               <a:ext uri="{FF2B5EF4-FFF2-40B4-BE49-F238E27FC236}">
-                <a16:creationId xmlns:a16="http://schemas.microsoft.com/office/drawing/2014/main" id="{2D9A0002-A46D-0441-1AD8-497D90B5A8B6}"/>
+                <a16:creationId xmlns:a16="http://schemas.microsoft.com/office/drawing/2014/main" id="{6956AF5B-BF10-8DAD-2F4E-8C709B3EE066}"/>
               </a:ext>
             </a:extLst>
           </p:cNvPr>
@@ -2645,7 +2645,7 @@
           <p:cNvPr id="5" name="日期占位符 4">
             <a:extLst>
               <a:ext uri="{FF2B5EF4-FFF2-40B4-BE49-F238E27FC236}">
-                <a16:creationId xmlns:a16="http://schemas.microsoft.com/office/drawing/2014/main" id="{D52710F4-247A-0D0B-07A6-9693D10DB73E}"/>
+                <a16:creationId xmlns:a16="http://schemas.microsoft.com/office/drawing/2014/main" id="{02C351E8-490C-045B-AA3B-CB9F5D5CA3DF}"/>
               </a:ext>
             </a:extLst>
           </p:cNvPr>
@@ -2661,7 +2661,7 @@
           <a:bodyPr/>
           <a:lstStyle/>
           <a:p>
-            <a:fld id="{37021E71-AF76-4582-9788-FAAAFB0571C1}" type="datetimeFigureOut">
+            <a:fld id="{ED1FE6CA-6B70-492E-BAE2-874947366801}" type="datetimeFigureOut">
               <a:rPr lang="zh-CN" altLang="en-US" smtClean="0"/>
               <a:t>2024/3/10</a:t>
             </a:fld>
@@ -2674,7 +2674,7 @@
           <p:cNvPr id="6" name="页脚占位符 5">
             <a:extLst>
               <a:ext uri="{FF2B5EF4-FFF2-40B4-BE49-F238E27FC236}">
-                <a16:creationId xmlns:a16="http://schemas.microsoft.com/office/drawing/2014/main" id="{4B25FF9B-8328-C8A4-1DEA-921ADBBAAF82}"/>
+                <a16:creationId xmlns:a16="http://schemas.microsoft.com/office/drawing/2014/main" id="{7E05579E-5775-4D79-9C40-A0613A5AF930}"/>
               </a:ext>
             </a:extLst>
           </p:cNvPr>
@@ -2699,7 +2699,7 @@
           <p:cNvPr id="7" name="灯片编号占位符 6">
             <a:extLst>
               <a:ext uri="{FF2B5EF4-FFF2-40B4-BE49-F238E27FC236}">
-                <a16:creationId xmlns:a16="http://schemas.microsoft.com/office/drawing/2014/main" id="{3046B714-7AB0-A5A2-08F7-2252581B9521}"/>
+                <a16:creationId xmlns:a16="http://schemas.microsoft.com/office/drawing/2014/main" id="{2D595A2E-7AE3-8705-9A71-09694D2349E6}"/>
               </a:ext>
             </a:extLst>
           </p:cNvPr>
@@ -2715,7 +2715,7 @@
           <a:bodyPr/>
           <a:lstStyle/>
           <a:p>
-            <a:fld id="{BB894711-67B6-432A-A047-1EAA9CBEC139}" type="slidenum">
+            <a:fld id="{EBEFC2D5-A3BF-4010-8AD4-051F6ABA9FC4}" type="slidenum">
               <a:rPr lang="zh-CN" altLang="en-US" smtClean="0"/>
               <a:t>‹#›</a:t>
             </a:fld>
@@ -2726,7 +2726,7 @@
     </p:spTree>
     <p:extLst>
       <p:ext uri="{BB962C8B-B14F-4D97-AF65-F5344CB8AC3E}">
-        <p14:creationId xmlns:p14="http://schemas.microsoft.com/office/powerpoint/2010/main" val="1489963670"/>
+        <p14:creationId xmlns:p14="http://schemas.microsoft.com/office/powerpoint/2010/main" val="3759141787"/>
       </p:ext>
     </p:extLst>
   </p:cSld>
@@ -2763,7 +2763,7 @@
           <p:cNvPr id="2" name="标题占位符 1">
             <a:extLst>
               <a:ext uri="{FF2B5EF4-FFF2-40B4-BE49-F238E27FC236}">
-                <a16:creationId xmlns:a16="http://schemas.microsoft.com/office/drawing/2014/main" id="{70876859-AD16-A7D3-A650-625A11BDC61B}"/>
+                <a16:creationId xmlns:a16="http://schemas.microsoft.com/office/drawing/2014/main" id="{949D145B-A65C-9F01-DEA2-6F3105BBB9C8}"/>
               </a:ext>
             </a:extLst>
           </p:cNvPr>
@@ -2801,7 +2801,7 @@
           <p:cNvPr id="3" name="文本占位符 2">
             <a:extLst>
               <a:ext uri="{FF2B5EF4-FFF2-40B4-BE49-F238E27FC236}">
-                <a16:creationId xmlns:a16="http://schemas.microsoft.com/office/drawing/2014/main" id="{8C978B92-18C5-EA4C-4136-C19715536A5E}"/>
+                <a16:creationId xmlns:a16="http://schemas.microsoft.com/office/drawing/2014/main" id="{4F92FB14-0A3C-5952-9D41-6C7EA3A49A93}"/>
               </a:ext>
             </a:extLst>
           </p:cNvPr>
@@ -2868,7 +2868,7 @@
           <p:cNvPr id="4" name="日期占位符 3">
             <a:extLst>
               <a:ext uri="{FF2B5EF4-FFF2-40B4-BE49-F238E27FC236}">
-                <a16:creationId xmlns:a16="http://schemas.microsoft.com/office/drawing/2014/main" id="{08AAFC41-0DE7-1BA0-48D8-9AF40FC3B7E1}"/>
+                <a16:creationId xmlns:a16="http://schemas.microsoft.com/office/drawing/2014/main" id="{4597E7DD-3A4C-F935-F4CF-31B67A96A468}"/>
               </a:ext>
             </a:extLst>
           </p:cNvPr>
@@ -2902,7 +2902,7 @@
             </a:lvl1pPr>
           </a:lstStyle>
           <a:p>
-            <a:fld id="{37021E71-AF76-4582-9788-FAAAFB0571C1}" type="datetimeFigureOut">
+            <a:fld id="{ED1FE6CA-6B70-492E-BAE2-874947366801}" type="datetimeFigureOut">
               <a:rPr lang="zh-CN" altLang="en-US" smtClean="0"/>
               <a:t>2024/3/10</a:t>
             </a:fld>
@@ -2915,7 +2915,7 @@
           <p:cNvPr id="5" name="页脚占位符 4">
             <a:extLst>
               <a:ext uri="{FF2B5EF4-FFF2-40B4-BE49-F238E27FC236}">
-                <a16:creationId xmlns:a16="http://schemas.microsoft.com/office/drawing/2014/main" id="{AC9A35FA-4CCB-413C-9468-FB5106BF89C4}"/>
+                <a16:creationId xmlns:a16="http://schemas.microsoft.com/office/drawing/2014/main" id="{86468EB2-1CC4-FE3C-885D-D6D9B9EA0FBB}"/>
               </a:ext>
             </a:extLst>
           </p:cNvPr>
@@ -2958,7 +2958,7 @@
           <p:cNvPr id="6" name="灯片编号占位符 5">
             <a:extLst>
               <a:ext uri="{FF2B5EF4-FFF2-40B4-BE49-F238E27FC236}">
-                <a16:creationId xmlns:a16="http://schemas.microsoft.com/office/drawing/2014/main" id="{8F13BB5A-69DD-41EF-C31B-844B4C9682B8}"/>
+                <a16:creationId xmlns:a16="http://schemas.microsoft.com/office/drawing/2014/main" id="{276E8846-9BC4-1418-1FF9-6AFB108D4DBD}"/>
               </a:ext>
             </a:extLst>
           </p:cNvPr>
@@ -2992,7 +2992,7 @@
             </a:lvl1pPr>
           </a:lstStyle>
           <a:p>
-            <a:fld id="{BB894711-67B6-432A-A047-1EAA9CBEC139}" type="slidenum">
+            <a:fld id="{EBEFC2D5-A3BF-4010-8AD4-051F6ABA9FC4}" type="slidenum">
               <a:rPr lang="zh-CN" altLang="en-US" smtClean="0"/>
               <a:t>‹#›</a:t>
             </a:fld>
@@ -3003,7 +3003,7 @@
     </p:spTree>
     <p:extLst>
       <p:ext uri="{BB962C8B-B14F-4D97-AF65-F5344CB8AC3E}">
-        <p14:creationId xmlns:p14="http://schemas.microsoft.com/office/powerpoint/2010/main" val="726945916"/>
+        <p14:creationId xmlns:p14="http://schemas.microsoft.com/office/powerpoint/2010/main" val="1500279539"/>
       </p:ext>
     </p:extLst>
   </p:cSld>
@@ -3323,7 +3323,7 @@
       </p:grpSpPr>
       <p:pic>
         <p:nvPicPr>
-          <p:cNvPr id="1189890" name="Picture 2" descr="1161"/>
+          <p:cNvPr id="1190914" name="Picture 2" descr="1162"/>
           <p:cNvPicPr>
             <a:picLocks noChangeAspect="1" noChangeArrowheads="1"/>
           </p:cNvPicPr>
@@ -3344,8 +3344,8 @@
         </p:blipFill>
         <p:spPr bwMode="auto">
           <a:xfrm>
-            <a:off x="1524000" y="0"/>
-            <a:ext cx="9144000" cy="6858000"/>
+            <a:off x="1524000" y="1"/>
+            <a:ext cx="9124950" cy="6843713"/>
           </a:xfrm>
           <a:prstGeom prst="rect">
             <a:avLst/>
@@ -3377,7 +3377,7 @@
       </p:pic>
       <p:pic>
         <p:nvPicPr>
-          <p:cNvPr id="1190915" name="Picture 3" descr="1161-2"/>
+          <p:cNvPr id="1191939" name="Picture 3" descr="1162-2"/>
           <p:cNvPicPr>
             <a:picLocks noChangeAspect="1" noChangeArrowheads="1"/>
           </p:cNvPicPr>
@@ -3478,7 +3478,7 @@
                                           </p:stCondLst>
                                         </p:cTn>
                                         <p:tgtEl>
-                                          <p:spTgt spid="1190915"/>
+                                          <p:spTgt spid="1191939"/>
                                         </p:tgtEl>
                                         <p:attrNameLst>
                                           <p:attrName>style.visibility</p:attrName>
@@ -3492,7 +3492,7 @@
                                       <p:cBhvr>
                                         <p:cTn id="7" dur="500"/>
                                         <p:tgtEl>
-                                          <p:spTgt spid="1190915"/>
+                                          <p:spTgt spid="1191939"/>
                                         </p:tgtEl>
                                       </p:cBhvr>
                                     </p:animEffect>
